--- a/Introducción a R.pptx
+++ b/Introducción a R.pptx
@@ -137,7 +137,7 @@
 <file path=ppt/revisionInfo.xml><?xml version="1.0" encoding="utf-8"?>
 <p1510:revInfo xmlns:a="http://schemas.openxmlformats.org/drawingml/2006/main" xmlns:r="http://schemas.openxmlformats.org/officeDocument/2006/relationships" xmlns:p1510="http://schemas.microsoft.com/office/powerpoint/2015/10/main">
   <p1510:revLst>
-    <p1510:client id="{3D0463F9-989C-467F-B549-02AC0DE61CD3}" v="27" dt="2019-07-04T16:42:27.910"/>
+    <p1510:client id="{3D0463F9-989C-467F-B549-02AC0DE61CD3}" v="31" dt="2019-07-09T02:50:07.619"/>
   </p1510:revLst>
 </p1510:revInfo>
 </file>
@@ -147,18 +147,18 @@
   <pc:docChgLst>
     <pc:chgData name="Gabriel Sotomayor" userId="22450ec8319e84cc" providerId="LiveId" clId="{3D0463F9-989C-467F-B549-02AC0DE61CD3}"/>
     <pc:docChg chg="undo custSel addSld modSld">
-      <pc:chgData name="Gabriel Sotomayor" userId="22450ec8319e84cc" providerId="LiveId" clId="{3D0463F9-989C-467F-B549-02AC0DE61CD3}" dt="2019-07-08T19:20:07.564" v="2135" actId="27636"/>
+      <pc:chgData name="Gabriel Sotomayor" userId="22450ec8319e84cc" providerId="LiveId" clId="{3D0463F9-989C-467F-B549-02AC0DE61CD3}" dt="2019-07-09T02:49:40.632" v="2136" actId="20578"/>
       <pc:docMkLst>
         <pc:docMk/>
       </pc:docMkLst>
       <pc:sldChg chg="modSp">
-        <pc:chgData name="Gabriel Sotomayor" userId="22450ec8319e84cc" providerId="LiveId" clId="{3D0463F9-989C-467F-B549-02AC0DE61CD3}" dt="2019-07-04T16:33:03.504" v="1409" actId="27636"/>
+        <pc:chgData name="Gabriel Sotomayor" userId="22450ec8319e84cc" providerId="LiveId" clId="{3D0463F9-989C-467F-B549-02AC0DE61CD3}" dt="2019-07-09T02:49:40.632" v="2136" actId="20578"/>
         <pc:sldMkLst>
           <pc:docMk/>
           <pc:sldMk cId="571558966" sldId="257"/>
         </pc:sldMkLst>
         <pc:spChg chg="mod">
-          <ac:chgData name="Gabriel Sotomayor" userId="22450ec8319e84cc" providerId="LiveId" clId="{3D0463F9-989C-467F-B549-02AC0DE61CD3}" dt="2019-07-04T16:33:03.504" v="1409" actId="27636"/>
+          <ac:chgData name="Gabriel Sotomayor" userId="22450ec8319e84cc" providerId="LiveId" clId="{3D0463F9-989C-467F-B549-02AC0DE61CD3}" dt="2019-07-09T02:49:40.632" v="2136" actId="20578"/>
           <ac:spMkLst>
             <pc:docMk/>
             <pc:sldMk cId="571558966" sldId="257"/>

--- a/Introducción a R.pptx
+++ b/Introducción a R.pptx
@@ -134,16 +134,40 @@
 </p:cmAuthorLst>
 </file>
 
-<file path=ppt/revisionInfo.xml><?xml version="1.0" encoding="utf-8"?>
-<p1510:revInfo xmlns:a="http://schemas.openxmlformats.org/drawingml/2006/main" xmlns:r="http://schemas.openxmlformats.org/officeDocument/2006/relationships" xmlns:p1510="http://schemas.microsoft.com/office/powerpoint/2015/10/main">
-  <p1510:revLst>
-    <p1510:client id="{3D0463F9-989C-467F-B549-02AC0DE61CD3}" v="31" dt="2019-07-09T02:50:07.619"/>
-  </p1510:revLst>
-</p1510:revInfo>
-</file>
-
 <file path=ppt/changesInfos/changesInfo1.xml><?xml version="1.0" encoding="utf-8"?>
 <pc:chgInfo xmlns:a="http://schemas.openxmlformats.org/drawingml/2006/main" xmlns:r="http://schemas.openxmlformats.org/officeDocument/2006/relationships" xmlns:ac="http://schemas.microsoft.com/office/drawing/2013/main/command" xmlns:pc="http://schemas.microsoft.com/office/powerpoint/2013/main/command">
+  <pc:docChgLst>
+    <pc:chgData name="Gabriel Sotomayor" userId="22450ec8319e84cc" providerId="LiveId" clId="{1D964213-EE2C-4613-859B-F4AB43EEA2BC}"/>
+    <pc:docChg chg="modSld">
+      <pc:chgData name="Gabriel Sotomayor" userId="22450ec8319e84cc" providerId="LiveId" clId="{1D964213-EE2C-4613-859B-F4AB43EEA2BC}" dt="2019-08-13T23:25:41.072" v="1" actId="123"/>
+      <pc:docMkLst>
+        <pc:docMk/>
+      </pc:docMkLst>
+      <pc:sldChg chg="modSp">
+        <pc:chgData name="Gabriel Sotomayor" userId="22450ec8319e84cc" providerId="LiveId" clId="{1D964213-EE2C-4613-859B-F4AB43EEA2BC}" dt="2019-08-13T23:25:41.072" v="1" actId="123"/>
+        <pc:sldMkLst>
+          <pc:docMk/>
+          <pc:sldMk cId="30566475" sldId="265"/>
+        </pc:sldMkLst>
+        <pc:spChg chg="mod">
+          <ac:chgData name="Gabriel Sotomayor" userId="22450ec8319e84cc" providerId="LiveId" clId="{1D964213-EE2C-4613-859B-F4AB43EEA2BC}" dt="2019-08-13T23:25:37.178" v="0" actId="123"/>
+          <ac:spMkLst>
+            <pc:docMk/>
+            <pc:sldMk cId="30566475" sldId="265"/>
+            <ac:spMk id="3" creationId="{FDE84ED3-C7FC-48EE-82F8-0240A19548EC}"/>
+          </ac:spMkLst>
+        </pc:spChg>
+        <pc:spChg chg="mod">
+          <ac:chgData name="Gabriel Sotomayor" userId="22450ec8319e84cc" providerId="LiveId" clId="{1D964213-EE2C-4613-859B-F4AB43EEA2BC}" dt="2019-08-13T23:25:41.072" v="1" actId="123"/>
+          <ac:spMkLst>
+            <pc:docMk/>
+            <pc:sldMk cId="30566475" sldId="265"/>
+            <ac:spMk id="4" creationId="{71626DBC-0323-4D22-9A0C-0E9E1004275D}"/>
+          </ac:spMkLst>
+        </pc:spChg>
+      </pc:sldChg>
+    </pc:docChg>
+  </pc:docChgLst>
   <pc:docChgLst>
     <pc:chgData name="Gabriel Sotomayor" userId="22450ec8319e84cc" providerId="LiveId" clId="{3D0463F9-989C-467F-B549-02AC0DE61CD3}"/>
     <pc:docChg chg="undo custSel addSld modSld">
@@ -539,7 +563,7 @@
           <a:p>
             <a:fld id="{ED291B17-9318-49DB-B28B-6E5994AE9581}" type="datetime1">
               <a:rPr lang="en-US" smtClean="0"/>
-              <a:t>7/8/2019</a:t>
+              <a:t>8/13/2019</a:t>
             </a:fld>
             <a:endParaRPr lang="en-US" dirty="0"/>
           </a:p>
@@ -742,7 +766,7 @@
           <a:p>
             <a:fld id="{2CED4963-E985-44C4-B8C4-FDD613B7C2F8}" type="datetime1">
               <a:rPr lang="en-US" smtClean="0"/>
-              <a:t>7/8/2019</a:t>
+              <a:t>8/13/2019</a:t>
             </a:fld>
             <a:endParaRPr lang="en-US" dirty="0"/>
           </a:p>
@@ -1104,7 +1128,7 @@
           <a:p>
             <a:fld id="{ED291B17-9318-49DB-B28B-6E5994AE9581}" type="datetime1">
               <a:rPr lang="en-US" smtClean="0"/>
-              <a:t>7/8/2019</a:t>
+              <a:t>8/13/2019</a:t>
             </a:fld>
             <a:endParaRPr lang="en-US" dirty="0"/>
           </a:p>
@@ -1302,7 +1326,7 @@
           <a:p>
             <a:fld id="{78DD82B9-B8EE-4375-B6FF-88FA6ABB15D9}" type="datetime1">
               <a:rPr lang="en-US" smtClean="0"/>
-              <a:t>7/8/2019</a:t>
+              <a:t>8/13/2019</a:t>
             </a:fld>
             <a:endParaRPr lang="en-US" dirty="0"/>
           </a:p>
@@ -1614,7 +1638,7 @@
           <a:p>
             <a:fld id="{B2497495-0637-405E-AE64-5CC7506D51F5}" type="datetime1">
               <a:rPr lang="en-US" smtClean="0"/>
-              <a:t>7/8/2019</a:t>
+              <a:t>8/13/2019</a:t>
             </a:fld>
             <a:endParaRPr lang="en-US" dirty="0"/>
           </a:p>
@@ -1867,7 +1891,7 @@
           <a:p>
             <a:fld id="{7BFFD690-9426-415D-8B65-26881E07B2D4}" type="datetime1">
               <a:rPr lang="en-US" smtClean="0"/>
-              <a:t>7/8/2019</a:t>
+              <a:t>8/13/2019</a:t>
             </a:fld>
             <a:endParaRPr lang="en-US" dirty="0"/>
           </a:p>
@@ -2289,7 +2313,7 @@
           <a:p>
             <a:fld id="{04C4989A-474C-40DE-95B9-011C28B71673}" type="datetime1">
               <a:rPr lang="en-US" smtClean="0"/>
-              <a:t>7/8/2019</a:t>
+              <a:t>8/13/2019</a:t>
             </a:fld>
             <a:endParaRPr lang="en-US" dirty="0"/>
           </a:p>
@@ -2412,7 +2436,7 @@
           <a:p>
             <a:fld id="{5DB4ED54-5B5E-4A04-93D3-5772E3CE3818}" type="datetime1">
               <a:rPr lang="en-US" smtClean="0"/>
-              <a:t>7/8/2019</a:t>
+              <a:t>8/13/2019</a:t>
             </a:fld>
             <a:endParaRPr lang="en-US" dirty="0"/>
           </a:p>
@@ -2507,7 +2531,7 @@
           <a:p>
             <a:fld id="{4EDE50D6-574B-40AF-946F-D52A04ADE379}" type="datetime1">
               <a:rPr lang="en-US" smtClean="0"/>
-              <a:t>7/8/2019</a:t>
+              <a:t>8/13/2019</a:t>
             </a:fld>
             <a:endParaRPr lang="en-US" dirty="0"/>
           </a:p>
@@ -2884,7 +2908,7 @@
           <a:p>
             <a:fld id="{D82884F1-FFEA-405F-9602-3DCA865EDA4E}" type="datetime1">
               <a:rPr lang="en-US" smtClean="0"/>
-              <a:t>7/8/2019</a:t>
+              <a:t>8/13/2019</a:t>
             </a:fld>
             <a:endParaRPr lang="en-US" dirty="0"/>
           </a:p>
@@ -3177,7 +3201,7 @@
           <a:p>
             <a:fld id="{7E18DB4A-8810-4A10-AD5C-D5E2C667F5B3}" type="datetime1">
               <a:rPr lang="en-US" smtClean="0"/>
-              <a:t>7/8/2019</a:t>
+              <a:t>8/13/2019</a:t>
             </a:fld>
             <a:endParaRPr lang="en-US" dirty="0"/>
           </a:p>
@@ -3392,7 +3416,7 @@
           <a:p>
             <a:fld id="{ED291B17-9318-49DB-B28B-6E5994AE9581}" type="datetime1">
               <a:rPr lang="en-US" smtClean="0"/>
-              <a:t>7/8/2019</a:t>
+              <a:t>8/13/2019</a:t>
             </a:fld>
             <a:endParaRPr lang="en-US" dirty="0"/>
           </a:p>
@@ -7266,7 +7290,7 @@
           </a:bodyPr>
           <a:lstStyle/>
           <a:p>
-            <a:pPr marL="0" indent="0">
+            <a:pPr marL="0" indent="0" algn="just">
               <a:buNone/>
             </a:pPr>
             <a:r>
@@ -7275,12 +7299,14 @@
             </a:r>
           </a:p>
           <a:p>
+            <a:pPr algn="just"/>
             <a:r>
               <a:rPr lang="es-MX" dirty="0"/>
               <a:t>Vector (vector): columna o fila de datos de un mismo tipo (una variable individual)</a:t>
             </a:r>
           </a:p>
           <a:p>
+            <a:pPr algn="just"/>
             <a:r>
               <a:rPr lang="es-MX" dirty="0"/>
               <a:t>Listas (</a:t>
@@ -7295,6 +7321,7 @@
             </a:r>
           </a:p>
           <a:p>
+            <a:pPr algn="just"/>
             <a:r>
               <a:rPr lang="es-CL" dirty="0"/>
               <a:t>Matrices (</a:t>
@@ -7309,6 +7336,7 @@
             </a:r>
           </a:p>
           <a:p>
+            <a:pPr algn="just"/>
             <a:r>
               <a:rPr lang="es-MX" dirty="0" err="1"/>
               <a:t>Data.frame</a:t>
@@ -7349,7 +7377,7 @@
           </a:bodyPr>
           <a:lstStyle/>
           <a:p>
-            <a:pPr marL="0" indent="0">
+            <a:pPr marL="0" indent="0" algn="just">
               <a:buNone/>
             </a:pPr>
             <a:r>
@@ -7358,6 +7386,7 @@
             </a:r>
           </a:p>
           <a:p>
+            <a:pPr algn="just"/>
             <a:r>
               <a:rPr lang="es-MX" dirty="0"/>
               <a:t>Numérico (</a:t>
@@ -7372,6 +7401,7 @@
             </a:r>
           </a:p>
           <a:p>
+            <a:pPr algn="just"/>
             <a:r>
               <a:rPr lang="es-CL" dirty="0"/>
               <a:t>Números enteros (</a:t>
@@ -7386,12 +7416,14 @@
             </a:r>
           </a:p>
           <a:p>
+            <a:pPr algn="just"/>
             <a:r>
               <a:rPr lang="es-CL" dirty="0"/>
               <a:t>Lógicos: Verdadero o Falso</a:t>
             </a:r>
           </a:p>
           <a:p>
+            <a:pPr algn="just"/>
             <a:r>
               <a:rPr lang="es-CL" dirty="0"/>
               <a:t>Variables cadena o texto (</a:t>
@@ -7414,6 +7446,7 @@
             </a:r>
           </a:p>
           <a:p>
+            <a:pPr algn="just"/>
             <a:r>
               <a:rPr lang="es-CL" dirty="0"/>
               <a:t>Factores (factor): para variables cualitativas (nominales)</a:t>
